--- a/template/Pre_DOI_Form_05_2024.pptx
+++ b/template/Pre_DOI_Form_05_2024.pptx
@@ -3352,10 +3352,7 @@
           </a:solidFill>
           <a:ln w="38100">
             <a:solidFill>
-              <a:schemeClr val="tx1">
-                <a:lumMod val="95000"/>
-                <a:lumOff val="5000"/>
-              </a:schemeClr>
+              <a:srgbClr val="271C44"/>
             </a:solidFill>
           </a:ln>
         </p:spPr>
@@ -3381,7 +3378,12 @@
           <a:p>
             <a:pPr algn="ctr"/>
             <a:r>
-              <a:rPr lang="en-US" sz="3600" b="1"/>
+              <a:rPr lang="en-US" sz="3600" b="1">
+                <a:solidFill>
+                  <a:srgbClr val="FFFFFF"/>
+                </a:solidFill>
+                <a:latin typeface="Calibri" panose="020F0502020204030204" pitchFamily="34" charset="0"/>
+              </a:rPr>
               <a:t>A method to do something</a:t>
             </a:r>
           </a:p>
@@ -3438,7 +3440,7 @@
           <p:nvPr>
             <p:extLst>
               <p:ext uri="{D42A27DB-BD31-4B8C-83A1-F6EECF244321}">
-                <p14:modId xmlns:p14="http://schemas.microsoft.com/office/powerpoint/2010/main" val="2990409454"/>
+                <p14:modId xmlns:p14="http://schemas.microsoft.com/office/powerpoint/2010/main" val="686577785"/>
               </p:ext>
             </p:extLst>
           </p:nvPr>
@@ -3497,25 +3499,35 @@
                     <a:lstStyle/>
                     <a:p>
                       <a:r>
-                        <a:rPr lang="en-US"/>
+                        <a:rPr lang="en-US" baseline="0">
+                          <a:latin typeface="Calibri" panose="020F0502020204030204" pitchFamily="34" charset="0"/>
+                        </a:rPr>
                         <a:t>Data1: </a:t>
                       </a:r>
                     </a:p>
                     <a:p>
                       <a:r>
-                        <a:rPr lang="en-US"/>
+                        <a:rPr lang="en-US" baseline="0">
+                          <a:latin typeface="Calibri" panose="020F0502020204030204" pitchFamily="34" charset="0"/>
+                        </a:rPr>
                         <a:t>Data2:</a:t>
                       </a:r>
                     </a:p>
                     <a:p>
                       <a:r>
-                        <a:rPr lang="en-US"/>
+                        <a:rPr lang="en-US" baseline="0">
+                          <a:latin typeface="Calibri" panose="020F0502020204030204" pitchFamily="34" charset="0"/>
+                        </a:rPr>
                         <a:t>Data3</a:t>
                       </a:r>
                       <a:br>
-                        <a:rPr lang="en-US"/>
+                        <a:rPr lang="en-US" baseline="0">
+                          <a:latin typeface="Calibri" panose="020F0502020204030204" pitchFamily="34" charset="0"/>
+                        </a:rPr>
                       </a:br>
-                      <a:endParaRPr lang="en-US"/>
+                      <a:endParaRPr lang="en-US" baseline="0">
+                        <a:latin typeface="Calibri" panose="020F0502020204030204" pitchFamily="34" charset="0"/>
+                      </a:endParaRPr>
                     </a:p>
                   </a:txBody>
                   <a:tcPr>
@@ -3556,10 +3568,7 @@
                       <a:tailEnd type="none" w="med" len="med"/>
                     </a:lnB>
                     <a:solidFill>
-                      <a:schemeClr val="accent4">
-                        <a:lumMod val="40000"/>
-                        <a:lumOff val="60000"/>
-                      </a:schemeClr>
+                      <a:srgbClr val="D6D16C"/>
                     </a:solidFill>
                   </a:tcPr>
                 </a:tc>
@@ -3589,19 +3598,25 @@
                     <a:lstStyle/>
                     <a:p>
                       <a:r>
-                        <a:rPr lang="en-US"/>
+                        <a:rPr lang="en-US" baseline="0">
+                          <a:latin typeface="Calibri" panose="020F0502020204030204" pitchFamily="34" charset="0"/>
+                        </a:rPr>
                         <a:t>Data1:</a:t>
                       </a:r>
                     </a:p>
                     <a:p>
                       <a:r>
-                        <a:rPr lang="en-US"/>
+                        <a:rPr lang="en-US" baseline="0">
+                          <a:latin typeface="Calibri" panose="020F0502020204030204" pitchFamily="34" charset="0"/>
+                        </a:rPr>
                         <a:t>Data10:</a:t>
                       </a:r>
                     </a:p>
                     <a:p>
                       <a:r>
-                        <a:rPr lang="en-US"/>
+                        <a:rPr lang="en-US" baseline="0">
+                          <a:latin typeface="Calibri" panose="020F0502020204030204" pitchFamily="34" charset="0"/>
+                        </a:rPr>
                         <a:t>Data100:</a:t>
                       </a:r>
                     </a:p>
@@ -3644,10 +3659,7 @@
                       <a:tailEnd type="none" w="med" len="med"/>
                     </a:lnB>
                     <a:solidFill>
-                      <a:schemeClr val="accent4">
-                        <a:lumMod val="40000"/>
-                        <a:lumOff val="60000"/>
-                      </a:schemeClr>
+                      <a:srgbClr val="D6D16C"/>
                     </a:solidFill>
                   </a:tcPr>
                 </a:tc>
@@ -3674,7 +3686,9 @@
                     <a:lstStyle/>
                     <a:p>
                       <a:r>
-                        <a:rPr lang="en-US" b="1"/>
+                        <a:rPr lang="en-US" b="1" baseline="0">
+                          <a:latin typeface="Calibri" panose="020F0502020204030204" pitchFamily="34" charset="0"/>
+                        </a:rPr>
                         <a:t>ID</a:t>
                       </a:r>
                     </a:p>
@@ -3717,10 +3731,7 @@
                       <a:tailEnd type="none" w="med" len="med"/>
                     </a:lnB>
                     <a:solidFill>
-                      <a:schemeClr val="accent4">
-                        <a:lumMod val="40000"/>
-                        <a:lumOff val="60000"/>
-                      </a:schemeClr>
+                      <a:srgbClr val="D6D16C"/>
                     </a:solidFill>
                   </a:tcPr>
                 </a:tc>
@@ -3730,7 +3741,9 @@
                     <a:lstStyle/>
                     <a:p>
                       <a:r>
-                        <a:rPr lang="en-US" b="1"/>
+                        <a:rPr lang="en-US" b="1" baseline="0">
+                          <a:latin typeface="Calibri" panose="020F0502020204030204" pitchFamily="34" charset="0"/>
+                        </a:rPr>
                         <a:t>Inventor</a:t>
                       </a:r>
                     </a:p>
@@ -3773,10 +3786,7 @@
                       <a:tailEnd type="none" w="med" len="med"/>
                     </a:lnB>
                     <a:solidFill>
-                      <a:schemeClr val="accent4">
-                        <a:lumMod val="40000"/>
-                        <a:lumOff val="60000"/>
-                      </a:schemeClr>
+                      <a:srgbClr val="D6D16C"/>
                     </a:solidFill>
                   </a:tcPr>
                 </a:tc>
@@ -3786,7 +3796,9 @@
                     <a:lstStyle/>
                     <a:p>
                       <a:r>
-                        <a:rPr lang="en-US" b="1"/>
+                        <a:rPr lang="en-US" b="1" baseline="0">
+                          <a:latin typeface="Calibri" panose="020F0502020204030204" pitchFamily="34" charset="0"/>
+                        </a:rPr>
                         <a:t>Role</a:t>
                       </a:r>
                     </a:p>
@@ -3829,10 +3841,7 @@
                       <a:tailEnd type="none" w="med" len="med"/>
                     </a:lnB>
                     <a:solidFill>
-                      <a:schemeClr val="accent4">
-                        <a:lumMod val="40000"/>
-                        <a:lumOff val="60000"/>
-                      </a:schemeClr>
+                      <a:srgbClr val="D6D16C"/>
                     </a:solidFill>
                   </a:tcPr>
                 </a:tc>
@@ -3842,7 +3851,9 @@
                     <a:lstStyle/>
                     <a:p>
                       <a:r>
-                        <a:rPr lang="en-US" b="1"/>
+                        <a:rPr lang="en-US" b="1" baseline="0">
+                          <a:latin typeface="Calibri" panose="020F0502020204030204" pitchFamily="34" charset="0"/>
+                        </a:rPr>
                         <a:t>Contribute rate</a:t>
                       </a:r>
                     </a:p>
@@ -3885,10 +3896,7 @@
                       <a:tailEnd type="none" w="med" len="med"/>
                     </a:lnB>
                     <a:solidFill>
-                      <a:schemeClr val="accent4">
-                        <a:lumMod val="40000"/>
-                        <a:lumOff val="60000"/>
-                      </a:schemeClr>
+                      <a:srgbClr val="D6D16C"/>
                     </a:solidFill>
                   </a:tcPr>
                 </a:tc>
@@ -3897,7 +3905,9 @@
                     <a:bodyPr/>
                     <a:lstStyle/>
                     <a:p>
-                      <a:endParaRPr lang="en-US" b="1"/>
+                      <a:endParaRPr lang="en-US" b="1" baseline="0">
+                        <a:latin typeface="Calibri" panose="020F0502020204030204" pitchFamily="34" charset="0"/>
+                      </a:endParaRPr>
                     </a:p>
                   </a:txBody>
                   <a:tcPr>
@@ -3938,10 +3948,7 @@
                       <a:tailEnd type="none" w="med" len="med"/>
                     </a:lnB>
                     <a:solidFill>
-                      <a:schemeClr val="accent4">
-                        <a:lumMod val="40000"/>
-                        <a:lumOff val="60000"/>
-                      </a:schemeClr>
+                      <a:srgbClr val="D6D16C"/>
                     </a:solidFill>
                   </a:tcPr>
                 </a:tc>
@@ -3958,7 +3965,9 @@
                     <a:lstStyle/>
                     <a:p>
                       <a:r>
-                        <a:rPr lang="en-US"/>
+                        <a:rPr lang="en-US" baseline="0">
+                          <a:latin typeface="Calibri" panose="020F0502020204030204" pitchFamily="34" charset="0"/>
+                        </a:rPr>
                         <a:t>1</a:t>
                       </a:r>
                     </a:p>
@@ -4001,10 +4010,7 @@
                       <a:tailEnd type="none" w="med" len="med"/>
                     </a:lnB>
                     <a:solidFill>
-                      <a:schemeClr val="accent4">
-                        <a:lumMod val="40000"/>
-                        <a:lumOff val="60000"/>
-                      </a:schemeClr>
+                      <a:srgbClr val="D6D16C"/>
                     </a:solidFill>
                   </a:tcPr>
                 </a:tc>
@@ -4014,7 +4020,9 @@
                     <a:lstStyle/>
                     <a:p>
                       <a:r>
-                        <a:rPr lang="en-US"/>
+                        <a:rPr lang="en-US" baseline="0">
+                          <a:latin typeface="Calibri" panose="020F0502020204030204" pitchFamily="34" charset="0"/>
+                        </a:rPr>
                         <a:t>Tran Duc Huy</a:t>
                       </a:r>
                     </a:p>
@@ -4057,10 +4065,7 @@
                       <a:tailEnd type="none" w="med" len="med"/>
                     </a:lnB>
                     <a:solidFill>
-                      <a:schemeClr val="accent4">
-                        <a:lumMod val="40000"/>
-                        <a:lumOff val="60000"/>
-                      </a:schemeClr>
+                      <a:srgbClr val="D6D16C"/>
                     </a:solidFill>
                   </a:tcPr>
                 </a:tc>
@@ -4069,7 +4074,9 @@
                     <a:bodyPr/>
                     <a:lstStyle/>
                     <a:p>
-                      <a:endParaRPr lang="en-US"/>
+                      <a:endParaRPr lang="en-US" baseline="0">
+                        <a:latin typeface="Calibri" panose="020F0502020204030204" pitchFamily="34" charset="0"/>
+                      </a:endParaRPr>
                     </a:p>
                   </a:txBody>
                   <a:tcPr>
@@ -4110,10 +4117,7 @@
                       <a:tailEnd type="none" w="med" len="med"/>
                     </a:lnB>
                     <a:solidFill>
-                      <a:schemeClr val="accent4">
-                        <a:lumMod val="40000"/>
-                        <a:lumOff val="60000"/>
-                      </a:schemeClr>
+                      <a:srgbClr val="D6D16C"/>
                     </a:solidFill>
                   </a:tcPr>
                 </a:tc>
@@ -4122,7 +4126,9 @@
                     <a:bodyPr/>
                     <a:lstStyle/>
                     <a:p>
-                      <a:endParaRPr lang="en-US"/>
+                      <a:endParaRPr lang="en-US" baseline="0">
+                        <a:latin typeface="Calibri" panose="020F0502020204030204" pitchFamily="34" charset="0"/>
+                      </a:endParaRPr>
                     </a:p>
                   </a:txBody>
                   <a:tcPr>
@@ -4163,10 +4169,7 @@
                       <a:tailEnd type="none" w="med" len="med"/>
                     </a:lnB>
                     <a:solidFill>
-                      <a:schemeClr val="accent4">
-                        <a:lumMod val="40000"/>
-                        <a:lumOff val="60000"/>
-                      </a:schemeClr>
+                      <a:srgbClr val="D6D16C"/>
                     </a:solidFill>
                   </a:tcPr>
                 </a:tc>
@@ -4175,7 +4178,9 @@
                     <a:bodyPr/>
                     <a:lstStyle/>
                     <a:p>
-                      <a:endParaRPr lang="en-US"/>
+                      <a:endParaRPr lang="en-US" baseline="0">
+                        <a:latin typeface="Calibri" panose="020F0502020204030204" pitchFamily="34" charset="0"/>
+                      </a:endParaRPr>
                     </a:p>
                   </a:txBody>
                   <a:tcPr>
@@ -4216,10 +4221,7 @@
                       <a:tailEnd type="none" w="med" len="med"/>
                     </a:lnB>
                     <a:solidFill>
-                      <a:schemeClr val="accent4">
-                        <a:lumMod val="40000"/>
-                        <a:lumOff val="60000"/>
-                      </a:schemeClr>
+                      <a:srgbClr val="D6D16C"/>
                     </a:solidFill>
                   </a:tcPr>
                 </a:tc>
@@ -4236,7 +4238,9 @@
                     <a:lstStyle/>
                     <a:p>
                       <a:r>
-                        <a:rPr lang="en-US"/>
+                        <a:rPr lang="en-US" baseline="0">
+                          <a:latin typeface="Calibri" panose="020F0502020204030204" pitchFamily="34" charset="0"/>
+                        </a:rPr>
                         <a:t>2</a:t>
                       </a:r>
                     </a:p>
@@ -4279,10 +4283,7 @@
                       <a:tailEnd type="none" w="med" len="med"/>
                     </a:lnB>
                     <a:solidFill>
-                      <a:schemeClr val="accent4">
-                        <a:lumMod val="40000"/>
-                        <a:lumOff val="60000"/>
-                      </a:schemeClr>
+                      <a:srgbClr val="D6D16C"/>
                     </a:solidFill>
                   </a:tcPr>
                 </a:tc>
@@ -4291,7 +4292,9 @@
                     <a:bodyPr/>
                     <a:lstStyle/>
                     <a:p>
-                      <a:endParaRPr lang="en-US"/>
+                      <a:endParaRPr lang="en-US" baseline="0">
+                        <a:latin typeface="Calibri" panose="020F0502020204030204" pitchFamily="34" charset="0"/>
+                      </a:endParaRPr>
                     </a:p>
                   </a:txBody>
                   <a:tcPr>
@@ -4332,10 +4335,7 @@
                       <a:tailEnd type="none" w="med" len="med"/>
                     </a:lnB>
                     <a:solidFill>
-                      <a:schemeClr val="accent4">
-                        <a:lumMod val="40000"/>
-                        <a:lumOff val="60000"/>
-                      </a:schemeClr>
+                      <a:srgbClr val="D6D16C"/>
                     </a:solidFill>
                   </a:tcPr>
                 </a:tc>
@@ -4344,7 +4344,9 @@
                     <a:bodyPr/>
                     <a:lstStyle/>
                     <a:p>
-                      <a:endParaRPr lang="en-US"/>
+                      <a:endParaRPr lang="en-US" baseline="0">
+                        <a:latin typeface="Calibri" panose="020F0502020204030204" pitchFamily="34" charset="0"/>
+                      </a:endParaRPr>
                     </a:p>
                   </a:txBody>
                   <a:tcPr>
@@ -4385,10 +4387,7 @@
                       <a:tailEnd type="none" w="med" len="med"/>
                     </a:lnB>
                     <a:solidFill>
-                      <a:schemeClr val="accent4">
-                        <a:lumMod val="40000"/>
-                        <a:lumOff val="60000"/>
-                      </a:schemeClr>
+                      <a:srgbClr val="D6D16C"/>
                     </a:solidFill>
                   </a:tcPr>
                 </a:tc>
@@ -4397,7 +4396,9 @@
                     <a:bodyPr/>
                     <a:lstStyle/>
                     <a:p>
-                      <a:endParaRPr lang="en-US"/>
+                      <a:endParaRPr lang="en-US" baseline="0">
+                        <a:latin typeface="Calibri" panose="020F0502020204030204" pitchFamily="34" charset="0"/>
+                      </a:endParaRPr>
                     </a:p>
                   </a:txBody>
                   <a:tcPr>
@@ -4438,10 +4439,7 @@
                       <a:tailEnd type="none" w="med" len="med"/>
                     </a:lnB>
                     <a:solidFill>
-                      <a:schemeClr val="accent4">
-                        <a:lumMod val="40000"/>
-                        <a:lumOff val="60000"/>
-                      </a:schemeClr>
+                      <a:srgbClr val="D6D16C"/>
                     </a:solidFill>
                   </a:tcPr>
                 </a:tc>
@@ -4450,7 +4448,9 @@
                     <a:bodyPr/>
                     <a:lstStyle/>
                     <a:p>
-                      <a:endParaRPr lang="en-US"/>
+                      <a:endParaRPr lang="en-US" baseline="0">
+                        <a:latin typeface="Calibri" panose="020F0502020204030204" pitchFamily="34" charset="0"/>
+                      </a:endParaRPr>
                     </a:p>
                   </a:txBody>
                   <a:tcPr>
@@ -4491,10 +4491,7 @@
                       <a:tailEnd type="none" w="med" len="med"/>
                     </a:lnB>
                     <a:solidFill>
-                      <a:schemeClr val="accent4">
-                        <a:lumMod val="40000"/>
-                        <a:lumOff val="60000"/>
-                      </a:schemeClr>
+                      <a:srgbClr val="D6D16C"/>
                     </a:solidFill>
                   </a:tcPr>
                 </a:tc>
@@ -4529,9 +4526,7 @@
             <a:avLst/>
           </a:prstGeom>
           <a:solidFill>
-            <a:schemeClr val="bg2">
-              <a:lumMod val="25000"/>
-            </a:schemeClr>
+            <a:srgbClr val="3B3838"/>
           </a:solidFill>
           <a:ln w="38100">
             <a:noFill/>
@@ -4558,7 +4553,12 @@
           <a:lstStyle/>
           <a:p>
             <a:r>
-              <a:rPr lang="en-US" sz="3600" b="1"/>
+              <a:rPr lang="en-US" sz="3600" b="1">
+                <a:solidFill>
+                  <a:srgbClr val="FFFFFF"/>
+                </a:solidFill>
+                <a:latin typeface="Calibri" panose="020F0502020204030204" pitchFamily="34" charset="0"/>
+              </a:rPr>
               <a:t>Basic information</a:t>
             </a:r>
           </a:p>
